--- a/Thứ 5.pptx
+++ b/Thứ 5.pptx
@@ -136,7 +136,7 @@
   </p:defaultTextStyle>
   <p:extLst>
     <p:ext uri="{EFAFB233-063F-42B5-8137-9DF3F51BA10A}">
-      <p15:sldGuideLst xmlns:p15="http://schemas.microsoft.com/office/powerpoint/2012/main">
+      <p15:sldGuideLst xmlns:p15="http://schemas.microsoft.com/office/powerpoint/2012/main" xmlns="">
         <p15:guide id="1" orient="horz" pos="2160">
           <p15:clr>
             <a:srgbClr val="A4A3A4"/>
@@ -4654,18 +4654,32 @@
               <a:t> </a:t>
             </a:r>
             <a:r>
-              <a:rPr lang="en-US" sz="5400" b="1" dirty="0" err="1">
+              <a:rPr lang="en-US" sz="5400" b="1" err="1">
                 <a:latin typeface="Times New Roman" panose="02020603050405020304" pitchFamily="18" charset="0"/>
                 <a:cs typeface="Times New Roman" panose="02020603050405020304" pitchFamily="18" charset="0"/>
               </a:rPr>
               <a:t>chúng</a:t>
             </a:r>
             <a:r>
-              <a:rPr lang="en-US" sz="5400" b="1" dirty="0">
-                <a:latin typeface="Times New Roman" panose="02020603050405020304" pitchFamily="18" charset="0"/>
-                <a:cs typeface="Times New Roman" panose="02020603050405020304" pitchFamily="18" charset="0"/>
-              </a:rPr>
-              <a:t> con đ</a:t>
+              <a:rPr lang="en-US" sz="5400" b="1">
+                <a:latin typeface="Times New Roman" panose="02020603050405020304" pitchFamily="18" charset="0"/>
+                <a:cs typeface="Times New Roman" panose="02020603050405020304" pitchFamily="18" charset="0"/>
+              </a:rPr>
+              <a:t> </a:t>
+            </a:r>
+            <a:r>
+              <a:rPr lang="en-US" sz="5400" b="1" smtClean="0">
+                <a:latin typeface="Times New Roman" panose="02020603050405020304" pitchFamily="18" charset="0"/>
+                <a:cs typeface="Times New Roman" panose="02020603050405020304" pitchFamily="18" charset="0"/>
+              </a:rPr>
+              <a:t>con con </a:t>
+            </a:r>
+            <a:r>
+              <a:rPr lang="en-US" sz="5400" b="1" dirty="0">
+                <a:latin typeface="Times New Roman" panose="02020603050405020304" pitchFamily="18" charset="0"/>
+                <a:cs typeface="Times New Roman" panose="02020603050405020304" pitchFamily="18" charset="0"/>
+              </a:rPr>
+              <a:t>đ</a:t>
             </a:r>
             <a:r>
               <a:rPr lang="vi-VN" sz="5400" b="1" dirty="0">
@@ -13641,7 +13655,7 @@
           <p:cNvPr id="2" name="Title 1">
             <a:extLst>
               <a:ext uri="{FF2B5EF4-FFF2-40B4-BE49-F238E27FC236}">
-                <a16:creationId xmlns:a16="http://schemas.microsoft.com/office/drawing/2014/main" id="{E15707EB-D7C8-4315-861E-0C0D881BA228}"/>
+                <a16:creationId xmlns:a16="http://schemas.microsoft.com/office/drawing/2014/main" xmlns="" id="{E15707EB-D7C8-4315-861E-0C0D881BA228}"/>
               </a:ext>
             </a:extLst>
           </p:cNvPr>
@@ -13666,7 +13680,7 @@
           <p:cNvPr id="3" name="Content Placeholder 2">
             <a:extLst>
               <a:ext uri="{FF2B5EF4-FFF2-40B4-BE49-F238E27FC236}">
-                <a16:creationId xmlns:a16="http://schemas.microsoft.com/office/drawing/2014/main" id="{580A1A79-EAAF-4BC4-8937-5CA2ACF0C6C3}"/>
+                <a16:creationId xmlns:a16="http://schemas.microsoft.com/office/drawing/2014/main" xmlns="" id="{580A1A79-EAAF-4BC4-8937-5CA2ACF0C6C3}"/>
               </a:ext>
             </a:extLst>
           </p:cNvPr>
@@ -14028,7 +14042,7 @@
   <a:themeElements>
     <a:clrScheme name="Office Theme">
       <a:dk1>
-        <a:sysClr val="windowText" lastClr="000000"/>
+        <a:sysClr val="windowText" lastClr="1F1F1F"/>
       </a:dk1>
       <a:lt1>
         <a:sysClr val="window" lastClr="FFFFFF"/>
@@ -14278,7 +14292,7 @@
   <a:extraClrSchemeLst/>
   <a:extLst>
     <a:ext uri="{05A4C25C-085E-4340-85A3-A5531E510DB2}">
-      <thm15:themeFamily xmlns:thm15="http://schemas.microsoft.com/office/thememl/2012/main" name="Office Theme" id="{62F939B6-93AF-4DB8-9C6B-D6C7DFDC589F}" vid="{4A3C46E8-61CC-4603-A589-7422A47A8E4A}"/>
+      <thm15:themeFamily xmlns:thm15="http://schemas.microsoft.com/office/thememl/2012/main" xmlns="" name="Office Theme" id="{62F939B6-93AF-4DB8-9C6B-D6C7DFDC589F}" vid="{4A3C46E8-61CC-4603-A589-7422A47A8E4A}"/>
     </a:ext>
   </a:extLst>
 </a:theme>
@@ -14289,7 +14303,7 @@
   <a:themeElements>
     <a:clrScheme name="Office">
       <a:dk1>
-        <a:sysClr val="windowText" lastClr="000000"/>
+        <a:sysClr val="windowText" lastClr="1F1F1F"/>
       </a:dk1>
       <a:lt1>
         <a:sysClr val="window" lastClr="FFFFFF"/>
@@ -14539,7 +14553,7 @@
   <a:extraClrSchemeLst/>
   <a:extLst>
     <a:ext uri="{05A4C25C-085E-4340-85A3-A5531E510DB2}">
-      <thm15:themeFamily xmlns:thm15="http://schemas.microsoft.com/office/thememl/2012/main" name="Office Theme" id="{62F939B6-93AF-4DB8-9C6B-D6C7DFDC589F}" vid="{4A3C46E8-61CC-4603-A589-7422A47A8E4A}"/>
+      <thm15:themeFamily xmlns:thm15="http://schemas.microsoft.com/office/thememl/2012/main" xmlns="" name="Office Theme" id="{62F939B6-93AF-4DB8-9C6B-D6C7DFDC589F}" vid="{4A3C46E8-61CC-4603-A589-7422A47A8E4A}"/>
     </a:ext>
   </a:extLst>
 </a:theme>

--- a/Thứ 5.pptx
+++ b/Thứ 5.pptx
@@ -5,7 +5,7 @@
     <p:sldMasterId id="2147483660" r:id="rId1"/>
   </p:sldMasterIdLst>
   <p:notesMasterIdLst>
-    <p:notesMasterId r:id="rId25"/>
+    <p:notesMasterId r:id="rId26"/>
   </p:notesMasterIdLst>
   <p:sldIdLst>
     <p:sldId id="4112" r:id="rId2"/>
@@ -31,6 +31,7 @@
     <p:sldId id="768" r:id="rId22"/>
     <p:sldId id="4967" r:id="rId23"/>
     <p:sldId id="4968" r:id="rId24"/>
+    <p:sldId id="4969" r:id="rId25"/>
   </p:sldIdLst>
   <p:sldSz cx="9144000" cy="6858000" type="screen4x3"/>
   <p:notesSz cx="6858000" cy="9144000"/>
@@ -131,7 +132,7 @@
   </p:defaultTextStyle>
   <p:extLst>
     <p:ext uri="{EFAFB233-063F-42B5-8137-9DF3F51BA10A}">
-      <p15:sldGuideLst xmlns:p15="http://schemas.microsoft.com/office/powerpoint/2012/main">
+      <p15:sldGuideLst xmlns="" xmlns:p15="http://schemas.microsoft.com/office/powerpoint/2012/main">
         <p15:guide id="1" orient="horz" pos="2160">
           <p15:clr>
             <a:srgbClr val="A4A3A4"/>
@@ -231,7 +232,7 @@
             <a:fld id="{5C25985F-86E8-4AA6-9352-571FAE95264D}" type="datetimeFigureOut">
               <a:rPr lang="vi-VN" smtClean="0"/>
               <a:pPr/>
-              <a:t>20/01/2021</a:t>
+              <a:t>21/01/2021</a:t>
             </a:fld>
             <a:endParaRPr lang="vi-VN"/>
           </a:p>
@@ -500,6 +501,91 @@
 </p:notesMaster>
 </file>
 
+<file path=ppt/notesSlides/notesSlide1.xml><?xml version="1.0" encoding="utf-8"?>
+<p:notes xmlns:a="http://schemas.openxmlformats.org/drawingml/2006/main" xmlns:r="http://schemas.openxmlformats.org/officeDocument/2006/relationships" xmlns:p="http://schemas.openxmlformats.org/presentationml/2006/main">
+  <p:cSld>
+    <p:spTree>
+      <p:nvGrpSpPr>
+        <p:cNvPr id="1" name=""/>
+        <p:cNvGrpSpPr/>
+        <p:nvPr/>
+      </p:nvGrpSpPr>
+      <p:grpSpPr>
+        <a:xfrm>
+          <a:off x="0" y="0"/>
+          <a:ext cx="0" cy="0"/>
+          <a:chOff x="0" y="0"/>
+          <a:chExt cx="0" cy="0"/>
+        </a:xfrm>
+      </p:grpSpPr>
+      <p:sp>
+        <p:nvSpPr>
+          <p:cNvPr id="2" name="Slide Image Placeholder 1"/>
+          <p:cNvSpPr>
+            <a:spLocks noGrp="1" noRot="1" noChangeAspect="1"/>
+          </p:cNvSpPr>
+          <p:nvPr>
+            <p:ph type="sldImg"/>
+          </p:nvPr>
+        </p:nvSpPr>
+        <p:spPr/>
+      </p:sp>
+      <p:sp>
+        <p:nvSpPr>
+          <p:cNvPr id="3" name="Notes Placeholder 2"/>
+          <p:cNvSpPr>
+            <a:spLocks noGrp="1"/>
+          </p:cNvSpPr>
+          <p:nvPr>
+            <p:ph type="body" idx="1"/>
+          </p:nvPr>
+        </p:nvSpPr>
+        <p:spPr/>
+        <p:txBody>
+          <a:bodyPr/>
+          <a:lstStyle/>
+          <a:p>
+            <a:endParaRPr lang="en-US"/>
+          </a:p>
+        </p:txBody>
+      </p:sp>
+      <p:sp>
+        <p:nvSpPr>
+          <p:cNvPr id="4" name="Slide Number Placeholder 3"/>
+          <p:cNvSpPr>
+            <a:spLocks noGrp="1"/>
+          </p:cNvSpPr>
+          <p:nvPr>
+            <p:ph type="sldNum" sz="quarter" idx="10"/>
+          </p:nvPr>
+        </p:nvSpPr>
+        <p:spPr/>
+        <p:txBody>
+          <a:bodyPr/>
+          <a:lstStyle/>
+          <a:p>
+            <a:fld id="{1E4D914E-6825-4475-A990-0303B744F5B1}" type="slidenum">
+              <a:rPr lang="vi-VN" smtClean="0"/>
+              <a:pPr/>
+              <a:t>1</a:t>
+            </a:fld>
+            <a:endParaRPr lang="vi-VN"/>
+          </a:p>
+        </p:txBody>
+      </p:sp>
+    </p:spTree>
+    <p:extLst>
+      <p:ext uri="{BB962C8B-B14F-4D97-AF65-F5344CB8AC3E}">
+        <p14:creationId xmlns:p14="http://schemas.microsoft.com/office/powerpoint/2010/main" val="988898770"/>
+      </p:ext>
+    </p:extLst>
+  </p:cSld>
+  <p:clrMapOvr>
+    <a:masterClrMapping/>
+  </p:clrMapOvr>
+</p:notes>
+</file>
+
 <file path=ppt/slideLayouts/slideLayout1.xml><?xml version="1.0" encoding="utf-8"?>
 <p:sldLayout xmlns:a="http://schemas.openxmlformats.org/drawingml/2006/main" xmlns:r="http://schemas.openxmlformats.org/officeDocument/2006/relationships" xmlns:p="http://schemas.openxmlformats.org/presentationml/2006/main" type="title" preserve="1">
   <p:cSld name="Title Slide">
@@ -632,7 +718,7 @@
             <a:fld id="{0569F2D7-2394-463B-99AA-3447397976B2}" type="datetimeFigureOut">
               <a:rPr lang="vi-VN" smtClean="0"/>
               <a:pPr/>
-              <a:t>20/01/2021</a:t>
+              <a:t>21/01/2021</a:t>
             </a:fld>
             <a:endParaRPr lang="vi-VN"/>
           </a:p>
@@ -804,7 +890,7 @@
             <a:fld id="{0569F2D7-2394-463B-99AA-3447397976B2}" type="datetimeFigureOut">
               <a:rPr lang="vi-VN" smtClean="0"/>
               <a:pPr/>
-              <a:t>20/01/2021</a:t>
+              <a:t>21/01/2021</a:t>
             </a:fld>
             <a:endParaRPr lang="vi-VN"/>
           </a:p>
@@ -986,7 +1072,7 @@
             <a:fld id="{0569F2D7-2394-463B-99AA-3447397976B2}" type="datetimeFigureOut">
               <a:rPr lang="vi-VN" smtClean="0"/>
               <a:pPr/>
-              <a:t>20/01/2021</a:t>
+              <a:t>21/01/2021</a:t>
             </a:fld>
             <a:endParaRPr lang="vi-VN"/>
           </a:p>
@@ -1158,7 +1244,7 @@
             <a:fld id="{0569F2D7-2394-463B-99AA-3447397976B2}" type="datetimeFigureOut">
               <a:rPr lang="vi-VN" smtClean="0"/>
               <a:pPr/>
-              <a:t>20/01/2021</a:t>
+              <a:t>21/01/2021</a:t>
             </a:fld>
             <a:endParaRPr lang="vi-VN"/>
           </a:p>
@@ -1404,7 +1490,7 @@
             <a:fld id="{0569F2D7-2394-463B-99AA-3447397976B2}" type="datetimeFigureOut">
               <a:rPr lang="vi-VN" smtClean="0"/>
               <a:pPr/>
-              <a:t>20/01/2021</a:t>
+              <a:t>21/01/2021</a:t>
             </a:fld>
             <a:endParaRPr lang="vi-VN"/>
           </a:p>
@@ -1638,7 +1724,7 @@
             <a:fld id="{0569F2D7-2394-463B-99AA-3447397976B2}" type="datetimeFigureOut">
               <a:rPr lang="vi-VN" smtClean="0"/>
               <a:pPr/>
-              <a:t>20/01/2021</a:t>
+              <a:t>21/01/2021</a:t>
             </a:fld>
             <a:endParaRPr lang="vi-VN"/>
           </a:p>
@@ -2007,7 +2093,7 @@
             <a:fld id="{0569F2D7-2394-463B-99AA-3447397976B2}" type="datetimeFigureOut">
               <a:rPr lang="vi-VN" smtClean="0"/>
               <a:pPr/>
-              <a:t>20/01/2021</a:t>
+              <a:t>21/01/2021</a:t>
             </a:fld>
             <a:endParaRPr lang="vi-VN"/>
           </a:p>
@@ -2127,7 +2213,7 @@
             <a:fld id="{0569F2D7-2394-463B-99AA-3447397976B2}" type="datetimeFigureOut">
               <a:rPr lang="vi-VN" smtClean="0"/>
               <a:pPr/>
-              <a:t>20/01/2021</a:t>
+              <a:t>21/01/2021</a:t>
             </a:fld>
             <a:endParaRPr lang="vi-VN"/>
           </a:p>
@@ -2224,7 +2310,7 @@
             <a:fld id="{0569F2D7-2394-463B-99AA-3447397976B2}" type="datetimeFigureOut">
               <a:rPr lang="vi-VN" smtClean="0"/>
               <a:pPr/>
-              <a:t>20/01/2021</a:t>
+              <a:t>21/01/2021</a:t>
             </a:fld>
             <a:endParaRPr lang="vi-VN"/>
           </a:p>
@@ -2503,7 +2589,7 @@
             <a:fld id="{0569F2D7-2394-463B-99AA-3447397976B2}" type="datetimeFigureOut">
               <a:rPr lang="vi-VN" smtClean="0"/>
               <a:pPr/>
-              <a:t>20/01/2021</a:t>
+              <a:t>21/01/2021</a:t>
             </a:fld>
             <a:endParaRPr lang="vi-VN"/>
           </a:p>
@@ -2762,7 +2848,7 @@
             <a:fld id="{0569F2D7-2394-463B-99AA-3447397976B2}" type="datetimeFigureOut">
               <a:rPr lang="vi-VN" smtClean="0"/>
               <a:pPr/>
-              <a:t>20/01/2021</a:t>
+              <a:t>21/01/2021</a:t>
             </a:fld>
             <a:endParaRPr lang="vi-VN"/>
           </a:p>
@@ -2977,7 +3063,7 @@
             <a:fld id="{0569F2D7-2394-463B-99AA-3447397976B2}" type="datetimeFigureOut">
               <a:rPr lang="vi-VN" smtClean="0"/>
               <a:pPr/>
-              <a:t>20/01/2021</a:t>
+              <a:t>21/01/2021</a:t>
             </a:fld>
             <a:endParaRPr lang="vi-VN"/>
           </a:p>
@@ -7971,6 +8057,236 @@
 </p:sld>
 </file>
 
+<file path=ppt/slides/slide24.xml><?xml version="1.0" encoding="utf-8"?>
+<p:sld xmlns:a="http://schemas.openxmlformats.org/drawingml/2006/main" xmlns:r="http://schemas.openxmlformats.org/officeDocument/2006/relationships" xmlns:p="http://schemas.openxmlformats.org/presentationml/2006/main">
+  <p:cSld>
+    <p:spTree>
+      <p:nvGrpSpPr>
+        <p:cNvPr id="1" name=""/>
+        <p:cNvGrpSpPr/>
+        <p:nvPr/>
+      </p:nvGrpSpPr>
+      <p:grpSpPr>
+        <a:xfrm>
+          <a:off x="0" y="0"/>
+          <a:ext cx="0" cy="0"/>
+          <a:chOff x="0" y="0"/>
+          <a:chExt cx="0" cy="0"/>
+        </a:xfrm>
+      </p:grpSpPr>
+      <p:sp>
+        <p:nvSpPr>
+          <p:cNvPr id="2" name="Title 1"/>
+          <p:cNvSpPr>
+            <a:spLocks noGrp="1"/>
+          </p:cNvSpPr>
+          <p:nvPr>
+            <p:ph type="ctrTitle"/>
+          </p:nvPr>
+        </p:nvSpPr>
+        <p:spPr>
+          <a:xfrm>
+            <a:off x="0" y="13648"/>
+            <a:ext cx="9144000" cy="533400"/>
+          </a:xfrm>
+        </p:spPr>
+        <p:txBody>
+          <a:bodyPr>
+            <a:normAutofit/>
+          </a:bodyPr>
+          <a:lstStyle/>
+          <a:p>
+            <a:pPr algn="l"/>
+            <a:r>
+              <a:rPr lang="en-US" sz="1800" dirty="0" err="1">
+                <a:solidFill>
+                  <a:srgbClr val="FF0000"/>
+                </a:solidFill>
+                <a:latin typeface="Times New Roman" pitchFamily="18" charset="0"/>
+                <a:cs typeface="Times New Roman" pitchFamily="18" charset="0"/>
+              </a:rPr>
+              <a:t>Kết</a:t>
+            </a:r>
+            <a:r>
+              <a:rPr lang="en-US" sz="1800" dirty="0">
+                <a:solidFill>
+                  <a:srgbClr val="FF0000"/>
+                </a:solidFill>
+                <a:latin typeface="Times New Roman" pitchFamily="18" charset="0"/>
+                <a:cs typeface="Times New Roman" pitchFamily="18" charset="0"/>
+              </a:rPr>
+              <a:t> </a:t>
+            </a:r>
+            <a:r>
+              <a:rPr lang="en-US" sz="1800" dirty="0" err="1">
+                <a:solidFill>
+                  <a:srgbClr val="FF0000"/>
+                </a:solidFill>
+                <a:latin typeface="Times New Roman" pitchFamily="18" charset="0"/>
+                <a:cs typeface="Times New Roman" pitchFamily="18" charset="0"/>
+              </a:rPr>
+              <a:t>Lễ</a:t>
+            </a:r>
+            <a:r>
+              <a:rPr lang="en-US" sz="1800" dirty="0">
+                <a:solidFill>
+                  <a:srgbClr val="FF0000"/>
+                </a:solidFill>
+                <a:latin typeface="Times New Roman" pitchFamily="18" charset="0"/>
+                <a:cs typeface="Times New Roman" pitchFamily="18" charset="0"/>
+              </a:rPr>
+              <a:t>                           </a:t>
+            </a:r>
+            <a:r>
+              <a:rPr lang="en-US" sz="2400" b="1" dirty="0">
+                <a:solidFill>
+                  <a:srgbClr val="FF0000"/>
+                </a:solidFill>
+                <a:effectLst>
+                  <a:outerShdw blurRad="38100" dist="38100" dir="2700000" algn="tl">
+                    <a:srgbClr val="000000">
+                      <a:alpha val="43137"/>
+                    </a:srgbClr>
+                  </a:outerShdw>
+                </a:effectLst>
+                <a:latin typeface="Times New Roman" pitchFamily="18" charset="0"/>
+                <a:cs typeface="Times New Roman" pitchFamily="18" charset="0"/>
+              </a:rPr>
+              <a:t>CHO MỌI NG</a:t>
+            </a:r>
+            <a:r>
+              <a:rPr lang="vi-VN" sz="2400" b="1" dirty="0">
+                <a:solidFill>
+                  <a:srgbClr val="FF0000"/>
+                </a:solidFill>
+                <a:effectLst>
+                  <a:outerShdw blurRad="38100" dist="38100" dir="2700000" algn="tl">
+                    <a:srgbClr val="000000">
+                      <a:alpha val="43137"/>
+                    </a:srgbClr>
+                  </a:outerShdw>
+                </a:effectLst>
+                <a:latin typeface="Times New Roman" pitchFamily="18" charset="0"/>
+                <a:cs typeface="Times New Roman" pitchFamily="18" charset="0"/>
+              </a:rPr>
+              <a:t>Ư</a:t>
+            </a:r>
+            <a:r>
+              <a:rPr lang="en-US" sz="2400" b="1" dirty="0">
+                <a:solidFill>
+                  <a:srgbClr val="FF0000"/>
+                </a:solidFill>
+                <a:effectLst>
+                  <a:outerShdw blurRad="38100" dist="38100" dir="2700000" algn="tl">
+                    <a:srgbClr val="000000">
+                      <a:alpha val="43137"/>
+                    </a:srgbClr>
+                  </a:outerShdw>
+                </a:effectLst>
+                <a:latin typeface="Times New Roman" pitchFamily="18" charset="0"/>
+                <a:cs typeface="Times New Roman" pitchFamily="18" charset="0"/>
+              </a:rPr>
+              <a:t>ỜI HIỆP NHẤT (KL)</a:t>
+            </a:r>
+            <a:endParaRPr lang="en-US" sz="2400" b="1" dirty="0">
+              <a:solidFill>
+                <a:srgbClr val="FF0000"/>
+              </a:solidFill>
+              <a:effectLst>
+                <a:outerShdw blurRad="38100" dist="38100" dir="2700000" algn="tl">
+                  <a:srgbClr val="000000">
+                    <a:alpha val="43137"/>
+                  </a:srgbClr>
+                </a:outerShdw>
+              </a:effectLst>
+            </a:endParaRPr>
+          </a:p>
+        </p:txBody>
+      </p:sp>
+      <p:sp>
+        <p:nvSpPr>
+          <p:cNvPr id="3" name="Subtitle 2"/>
+          <p:cNvSpPr>
+            <a:spLocks noGrp="1"/>
+          </p:cNvSpPr>
+          <p:nvPr>
+            <p:ph type="subTitle" idx="1"/>
+          </p:nvPr>
+        </p:nvSpPr>
+        <p:spPr>
+          <a:xfrm>
+            <a:off x="0" y="892995"/>
+            <a:ext cx="9144000" cy="7030720"/>
+          </a:xfrm>
+        </p:spPr>
+        <p:txBody>
+          <a:bodyPr>
+            <a:noAutofit/>
+          </a:bodyPr>
+          <a:lstStyle/>
+          <a:p>
+            <a:pPr algn="just"/>
+            <a:r>
+              <a:rPr lang="vi-VN" sz="6000" b="1" smtClean="0">
+                <a:latin typeface="+mj-lt"/>
+              </a:rPr>
+              <a:t>Xin </a:t>
+            </a:r>
+            <a:r>
+              <a:rPr lang="vi-VN" sz="6000" b="1" dirty="0">
+                <a:latin typeface="+mj-lt"/>
+              </a:rPr>
+              <a:t>Cha cho mọi người nên một trong chúng ta,</a:t>
+            </a:r>
+            <a:r>
+              <a:rPr lang="en-US" sz="6000" b="1" dirty="0">
+                <a:latin typeface="+mj-lt"/>
+              </a:rPr>
+              <a:t> </a:t>
+            </a:r>
+            <a:r>
+              <a:rPr lang="vi-VN" sz="6000" b="1" dirty="0">
+                <a:latin typeface="+mj-lt"/>
+              </a:rPr>
+              <a:t>hầu cho thế gian tin rằng Cha đã sai </a:t>
+            </a:r>
+            <a:r>
+              <a:rPr lang="en-US" sz="6000" b="1" dirty="0">
+                <a:latin typeface="Times New Roman" panose="02020603050405020304" pitchFamily="18" charset="0"/>
+                <a:cs typeface="Times New Roman" panose="02020603050405020304" pitchFamily="18" charset="0"/>
+              </a:rPr>
+              <a:t>Con</a:t>
+            </a:r>
+            <a:r>
+              <a:rPr lang="vi-VN" sz="6000" b="1" dirty="0">
+                <a:latin typeface="+mj-lt"/>
+              </a:rPr>
+              <a:t>.</a:t>
+            </a:r>
+            <a:endParaRPr lang="vi-VN" sz="6000" b="1" dirty="0">
+              <a:solidFill>
+                <a:schemeClr val="tx1"/>
+              </a:solidFill>
+              <a:latin typeface="+mj-lt"/>
+              <a:cs typeface="Times New Roman" pitchFamily="18" charset="0"/>
+            </a:endParaRPr>
+          </a:p>
+        </p:txBody>
+      </p:sp>
+    </p:spTree>
+    <p:extLst>
+      <p:ext uri="{BB962C8B-B14F-4D97-AF65-F5344CB8AC3E}">
+        <p14:creationId xmlns:p14="http://schemas.microsoft.com/office/powerpoint/2010/main" val="815704541"/>
+      </p:ext>
+    </p:extLst>
+  </p:cSld>
+  <p:clrMapOvr>
+    <a:masterClrMapping/>
+  </p:clrMapOvr>
+  <p:transition/>
+</p:sld>
+</file>
+
 <file path=ppt/slides/slide3.xml><?xml version="1.0" encoding="utf-8"?>
 <p:sld xmlns:a="http://schemas.openxmlformats.org/drawingml/2006/main" xmlns:r="http://schemas.openxmlformats.org/officeDocument/2006/relationships" xmlns:p="http://schemas.openxmlformats.org/presentationml/2006/main">
   <p:cSld>
@@ -8490,7 +8806,7 @@
           <p:cNvPr id="2" name="Title 1">
             <a:extLst>
               <a:ext uri="{FF2B5EF4-FFF2-40B4-BE49-F238E27FC236}">
-                <a16:creationId xmlns:a16="http://schemas.microsoft.com/office/drawing/2014/main" id="{E15707EB-D7C8-4315-861E-0C0D881BA228}"/>
+                <a16:creationId xmlns="" xmlns:a16="http://schemas.microsoft.com/office/drawing/2014/main" id="{E15707EB-D7C8-4315-861E-0C0D881BA228}"/>
               </a:ext>
             </a:extLst>
           </p:cNvPr>
@@ -8515,7 +8831,7 @@
           <p:cNvPr id="3" name="Content Placeholder 2">
             <a:extLst>
               <a:ext uri="{FF2B5EF4-FFF2-40B4-BE49-F238E27FC236}">
-                <a16:creationId xmlns:a16="http://schemas.microsoft.com/office/drawing/2014/main" id="{580A1A79-EAAF-4BC4-8937-5CA2ACF0C6C3}"/>
+                <a16:creationId xmlns="" xmlns:a16="http://schemas.microsoft.com/office/drawing/2014/main" id="{580A1A79-EAAF-4BC4-8937-5CA2ACF0C6C3}"/>
               </a:ext>
             </a:extLst>
           </p:cNvPr>
@@ -9621,7 +9937,7 @@
   <a:themeElements>
     <a:clrScheme name="Office Theme">
       <a:dk1>
-        <a:sysClr val="windowText" lastClr="000000"/>
+        <a:sysClr val="windowText" lastClr="1F1F1F"/>
       </a:dk1>
       <a:lt1>
         <a:sysClr val="window" lastClr="FFFFFF"/>
@@ -9871,7 +10187,7 @@
   <a:extraClrSchemeLst/>
   <a:extLst>
     <a:ext uri="{05A4C25C-085E-4340-85A3-A5531E510DB2}">
-      <thm15:themeFamily xmlns:thm15="http://schemas.microsoft.com/office/thememl/2012/main" name="Office Theme" id="{62F939B6-93AF-4DB8-9C6B-D6C7DFDC589F}" vid="{4A3C46E8-61CC-4603-A589-7422A47A8E4A}"/>
+      <thm15:themeFamily xmlns="" xmlns:thm15="http://schemas.microsoft.com/office/thememl/2012/main" name="Office Theme" id="{62F939B6-93AF-4DB8-9C6B-D6C7DFDC589F}" vid="{4A3C46E8-61CC-4603-A589-7422A47A8E4A}"/>
     </a:ext>
   </a:extLst>
 </a:theme>
@@ -9882,7 +10198,7 @@
   <a:themeElements>
     <a:clrScheme name="Office">
       <a:dk1>
-        <a:sysClr val="windowText" lastClr="000000"/>
+        <a:sysClr val="windowText" lastClr="1F1F1F"/>
       </a:dk1>
       <a:lt1>
         <a:sysClr val="window" lastClr="FFFFFF"/>
@@ -10132,7 +10448,7 @@
   <a:extraClrSchemeLst/>
   <a:extLst>
     <a:ext uri="{05A4C25C-085E-4340-85A3-A5531E510DB2}">
-      <thm15:themeFamily xmlns:thm15="http://schemas.microsoft.com/office/thememl/2012/main" name="Office Theme" id="{62F939B6-93AF-4DB8-9C6B-D6C7DFDC589F}" vid="{4A3C46E8-61CC-4603-A589-7422A47A8E4A}"/>
+      <thm15:themeFamily xmlns="" xmlns:thm15="http://schemas.microsoft.com/office/thememl/2012/main" name="Office Theme" id="{62F939B6-93AF-4DB8-9C6B-D6C7DFDC589F}" vid="{4A3C46E8-61CC-4603-A589-7422A47A8E4A}"/>
     </a:ext>
   </a:extLst>
 </a:theme>
